--- a/mat/200922_LL.pptx
+++ b/mat/200922_LL.pptx
@@ -766,7 +766,7 @@
           <p:cNvPr id="2" name="Title 1">
             <a:extLst>
               <a:ext uri="{FF2B5EF4-FFF2-40B4-BE49-F238E27FC236}">
-                <a16:creationId xmlns:a16="http://schemas.microsoft.com/office/drawing/2014/main" xmlns="" id="{A7CE5BBC-8679-4CAB-ADA3-E82FD780B073}"/>
+                <a16:creationId xmlns="" xmlns:a16="http://schemas.microsoft.com/office/drawing/2014/main" id="{A7CE5BBC-8679-4CAB-ADA3-E82FD780B073}"/>
               </a:ext>
             </a:extLst>
           </p:cNvPr>
@@ -803,7 +803,7 @@
           <p:cNvPr id="3" name="Subtitle 2">
             <a:extLst>
               <a:ext uri="{FF2B5EF4-FFF2-40B4-BE49-F238E27FC236}">
-                <a16:creationId xmlns:a16="http://schemas.microsoft.com/office/drawing/2014/main" xmlns="" id="{8A423BA8-8C29-4C64-AD10-1959DBE1ADB1}"/>
+                <a16:creationId xmlns="" xmlns:a16="http://schemas.microsoft.com/office/drawing/2014/main" id="{8A423BA8-8C29-4C64-AD10-1959DBE1ADB1}"/>
               </a:ext>
             </a:extLst>
           </p:cNvPr>
@@ -873,7 +873,7 @@
           <p:cNvPr id="4" name="Date Placeholder 3">
             <a:extLst>
               <a:ext uri="{FF2B5EF4-FFF2-40B4-BE49-F238E27FC236}">
-                <a16:creationId xmlns:a16="http://schemas.microsoft.com/office/drawing/2014/main" xmlns="" id="{44E87AA2-F5E5-4930-9BE3-CC05B3AF118D}"/>
+                <a16:creationId xmlns="" xmlns:a16="http://schemas.microsoft.com/office/drawing/2014/main" id="{44E87AA2-F5E5-4930-9BE3-CC05B3AF118D}"/>
               </a:ext>
             </a:extLst>
           </p:cNvPr>
@@ -902,7 +902,7 @@
           <p:cNvPr id="5" name="Footer Placeholder 4">
             <a:extLst>
               <a:ext uri="{FF2B5EF4-FFF2-40B4-BE49-F238E27FC236}">
-                <a16:creationId xmlns:a16="http://schemas.microsoft.com/office/drawing/2014/main" xmlns="" id="{60A6912B-0169-4CC0-9784-AEE7032A7A7C}"/>
+                <a16:creationId xmlns="" xmlns:a16="http://schemas.microsoft.com/office/drawing/2014/main" id="{60A6912B-0169-4CC0-9784-AEE7032A7A7C}"/>
               </a:ext>
             </a:extLst>
           </p:cNvPr>
@@ -927,7 +927,7 @@
           <p:cNvPr id="6" name="Slide Number Placeholder 5">
             <a:extLst>
               <a:ext uri="{FF2B5EF4-FFF2-40B4-BE49-F238E27FC236}">
-                <a16:creationId xmlns:a16="http://schemas.microsoft.com/office/drawing/2014/main" xmlns="" id="{F483307B-F85F-4006-B81E-CDAB23DCFF2F}"/>
+                <a16:creationId xmlns="" xmlns:a16="http://schemas.microsoft.com/office/drawing/2014/main" id="{F483307B-F85F-4006-B81E-CDAB23DCFF2F}"/>
               </a:ext>
             </a:extLst>
           </p:cNvPr>
@@ -986,7 +986,7 @@
           <p:cNvPr id="2" name="Title 1">
             <a:extLst>
               <a:ext uri="{FF2B5EF4-FFF2-40B4-BE49-F238E27FC236}">
-                <a16:creationId xmlns:a16="http://schemas.microsoft.com/office/drawing/2014/main" xmlns="" id="{C68634BF-6FC9-4C39-8871-9B4AD20A53D6}"/>
+                <a16:creationId xmlns="" xmlns:a16="http://schemas.microsoft.com/office/drawing/2014/main" id="{C68634BF-6FC9-4C39-8871-9B4AD20A53D6}"/>
               </a:ext>
             </a:extLst>
           </p:cNvPr>
@@ -1014,7 +1014,7 @@
           <p:cNvPr id="3" name="Vertical Text Placeholder 2">
             <a:extLst>
               <a:ext uri="{FF2B5EF4-FFF2-40B4-BE49-F238E27FC236}">
-                <a16:creationId xmlns:a16="http://schemas.microsoft.com/office/drawing/2014/main" xmlns="" id="{9EDB868B-9AF3-4DB1-8398-BAA8C081147D}"/>
+                <a16:creationId xmlns="" xmlns:a16="http://schemas.microsoft.com/office/drawing/2014/main" id="{9EDB868B-9AF3-4DB1-8398-BAA8C081147D}"/>
               </a:ext>
             </a:extLst>
           </p:cNvPr>
@@ -1071,7 +1071,7 @@
           <p:cNvPr id="4" name="Date Placeholder 3">
             <a:extLst>
               <a:ext uri="{FF2B5EF4-FFF2-40B4-BE49-F238E27FC236}">
-                <a16:creationId xmlns:a16="http://schemas.microsoft.com/office/drawing/2014/main" xmlns="" id="{FAEAF1E5-24EE-4519-A844-EC9AA6F448BE}"/>
+                <a16:creationId xmlns="" xmlns:a16="http://schemas.microsoft.com/office/drawing/2014/main" id="{FAEAF1E5-24EE-4519-A844-EC9AA6F448BE}"/>
               </a:ext>
             </a:extLst>
           </p:cNvPr>
@@ -1100,7 +1100,7 @@
           <p:cNvPr id="5" name="Footer Placeholder 4">
             <a:extLst>
               <a:ext uri="{FF2B5EF4-FFF2-40B4-BE49-F238E27FC236}">
-                <a16:creationId xmlns:a16="http://schemas.microsoft.com/office/drawing/2014/main" xmlns="" id="{D8881E09-021C-472B-AF26-9A4EF6B7B4DC}"/>
+                <a16:creationId xmlns="" xmlns:a16="http://schemas.microsoft.com/office/drawing/2014/main" id="{D8881E09-021C-472B-AF26-9A4EF6B7B4DC}"/>
               </a:ext>
             </a:extLst>
           </p:cNvPr>
@@ -1125,7 +1125,7 @@
           <p:cNvPr id="6" name="Slide Number Placeholder 5">
             <a:extLst>
               <a:ext uri="{FF2B5EF4-FFF2-40B4-BE49-F238E27FC236}">
-                <a16:creationId xmlns:a16="http://schemas.microsoft.com/office/drawing/2014/main" xmlns="" id="{14CBEC48-7435-4ADF-8A88-52134D478303}"/>
+                <a16:creationId xmlns="" xmlns:a16="http://schemas.microsoft.com/office/drawing/2014/main" id="{14CBEC48-7435-4ADF-8A88-52134D478303}"/>
               </a:ext>
             </a:extLst>
           </p:cNvPr>
@@ -1184,7 +1184,7 @@
           <p:cNvPr id="2" name="Vertical Title 1">
             <a:extLst>
               <a:ext uri="{FF2B5EF4-FFF2-40B4-BE49-F238E27FC236}">
-                <a16:creationId xmlns:a16="http://schemas.microsoft.com/office/drawing/2014/main" xmlns="" id="{196A7924-95E1-4016-B152-3DC640AF0444}"/>
+                <a16:creationId xmlns="" xmlns:a16="http://schemas.microsoft.com/office/drawing/2014/main" id="{196A7924-95E1-4016-B152-3DC640AF0444}"/>
               </a:ext>
             </a:extLst>
           </p:cNvPr>
@@ -1217,7 +1217,7 @@
           <p:cNvPr id="3" name="Vertical Text Placeholder 2">
             <a:extLst>
               <a:ext uri="{FF2B5EF4-FFF2-40B4-BE49-F238E27FC236}">
-                <a16:creationId xmlns:a16="http://schemas.microsoft.com/office/drawing/2014/main" xmlns="" id="{243EA662-18D2-46B8-A31B-0B5C15889802}"/>
+                <a16:creationId xmlns="" xmlns:a16="http://schemas.microsoft.com/office/drawing/2014/main" id="{243EA662-18D2-46B8-A31B-0B5C15889802}"/>
               </a:ext>
             </a:extLst>
           </p:cNvPr>
@@ -1279,7 +1279,7 @@
           <p:cNvPr id="4" name="Date Placeholder 3">
             <a:extLst>
               <a:ext uri="{FF2B5EF4-FFF2-40B4-BE49-F238E27FC236}">
-                <a16:creationId xmlns:a16="http://schemas.microsoft.com/office/drawing/2014/main" xmlns="" id="{A678274F-956F-49E8-A272-7AB252B50042}"/>
+                <a16:creationId xmlns="" xmlns:a16="http://schemas.microsoft.com/office/drawing/2014/main" id="{A678274F-956F-49E8-A272-7AB252B50042}"/>
               </a:ext>
             </a:extLst>
           </p:cNvPr>
@@ -1308,7 +1308,7 @@
           <p:cNvPr id="5" name="Footer Placeholder 4">
             <a:extLst>
               <a:ext uri="{FF2B5EF4-FFF2-40B4-BE49-F238E27FC236}">
-                <a16:creationId xmlns:a16="http://schemas.microsoft.com/office/drawing/2014/main" xmlns="" id="{F01C5228-1BC4-49A5-A77B-EE901A3A5B60}"/>
+                <a16:creationId xmlns="" xmlns:a16="http://schemas.microsoft.com/office/drawing/2014/main" id="{F01C5228-1BC4-49A5-A77B-EE901A3A5B60}"/>
               </a:ext>
             </a:extLst>
           </p:cNvPr>
@@ -1333,7 +1333,7 @@
           <p:cNvPr id="6" name="Slide Number Placeholder 5">
             <a:extLst>
               <a:ext uri="{FF2B5EF4-FFF2-40B4-BE49-F238E27FC236}">
-                <a16:creationId xmlns:a16="http://schemas.microsoft.com/office/drawing/2014/main" xmlns="" id="{9907DE84-88DE-4091-8471-A95709D81DCB}"/>
+                <a16:creationId xmlns="" xmlns:a16="http://schemas.microsoft.com/office/drawing/2014/main" id="{9907DE84-88DE-4091-8471-A95709D81DCB}"/>
               </a:ext>
             </a:extLst>
           </p:cNvPr>
@@ -1392,7 +1392,7 @@
           <p:cNvPr id="2" name="Title 1">
             <a:extLst>
               <a:ext uri="{FF2B5EF4-FFF2-40B4-BE49-F238E27FC236}">
-                <a16:creationId xmlns:a16="http://schemas.microsoft.com/office/drawing/2014/main" xmlns="" id="{4C6EAACD-AC22-4E4D-92C6-9D8ACD362D12}"/>
+                <a16:creationId xmlns="" xmlns:a16="http://schemas.microsoft.com/office/drawing/2014/main" id="{4C6EAACD-AC22-4E4D-92C6-9D8ACD362D12}"/>
               </a:ext>
             </a:extLst>
           </p:cNvPr>
@@ -1420,7 +1420,7 @@
           <p:cNvPr id="3" name="Content Placeholder 2">
             <a:extLst>
               <a:ext uri="{FF2B5EF4-FFF2-40B4-BE49-F238E27FC236}">
-                <a16:creationId xmlns:a16="http://schemas.microsoft.com/office/drawing/2014/main" xmlns="" id="{B995CC02-3DAA-4FDB-A858-C849CABED160}"/>
+                <a16:creationId xmlns="" xmlns:a16="http://schemas.microsoft.com/office/drawing/2014/main" id="{B995CC02-3DAA-4FDB-A858-C849CABED160}"/>
               </a:ext>
             </a:extLst>
           </p:cNvPr>
@@ -1477,7 +1477,7 @@
           <p:cNvPr id="4" name="Date Placeholder 3">
             <a:extLst>
               <a:ext uri="{FF2B5EF4-FFF2-40B4-BE49-F238E27FC236}">
-                <a16:creationId xmlns:a16="http://schemas.microsoft.com/office/drawing/2014/main" xmlns="" id="{942CE80B-9298-4E75-AAF1-6A242C0701E5}"/>
+                <a16:creationId xmlns="" xmlns:a16="http://schemas.microsoft.com/office/drawing/2014/main" id="{942CE80B-9298-4E75-AAF1-6A242C0701E5}"/>
               </a:ext>
             </a:extLst>
           </p:cNvPr>
@@ -1506,7 +1506,7 @@
           <p:cNvPr id="5" name="Footer Placeholder 4">
             <a:extLst>
               <a:ext uri="{FF2B5EF4-FFF2-40B4-BE49-F238E27FC236}">
-                <a16:creationId xmlns:a16="http://schemas.microsoft.com/office/drawing/2014/main" xmlns="" id="{9F069C18-FF55-4F5A-90C6-76400473B248}"/>
+                <a16:creationId xmlns="" xmlns:a16="http://schemas.microsoft.com/office/drawing/2014/main" id="{9F069C18-FF55-4F5A-90C6-76400473B248}"/>
               </a:ext>
             </a:extLst>
           </p:cNvPr>
@@ -1531,7 +1531,7 @@
           <p:cNvPr id="6" name="Slide Number Placeholder 5">
             <a:extLst>
               <a:ext uri="{FF2B5EF4-FFF2-40B4-BE49-F238E27FC236}">
-                <a16:creationId xmlns:a16="http://schemas.microsoft.com/office/drawing/2014/main" xmlns="" id="{A23C462A-778B-4E12-8B75-4C13FF489E10}"/>
+                <a16:creationId xmlns="" xmlns:a16="http://schemas.microsoft.com/office/drawing/2014/main" id="{A23C462A-778B-4E12-8B75-4C13FF489E10}"/>
               </a:ext>
             </a:extLst>
           </p:cNvPr>
@@ -1590,7 +1590,7 @@
           <p:cNvPr id="2" name="Title 1">
             <a:extLst>
               <a:ext uri="{FF2B5EF4-FFF2-40B4-BE49-F238E27FC236}">
-                <a16:creationId xmlns:a16="http://schemas.microsoft.com/office/drawing/2014/main" xmlns="" id="{C21AB03A-5163-4DB5-BACE-7BD77DEE5569}"/>
+                <a16:creationId xmlns="" xmlns:a16="http://schemas.microsoft.com/office/drawing/2014/main" id="{C21AB03A-5163-4DB5-BACE-7BD77DEE5569}"/>
               </a:ext>
             </a:extLst>
           </p:cNvPr>
@@ -1627,7 +1627,7 @@
           <p:cNvPr id="3" name="Text Placeholder 2">
             <a:extLst>
               <a:ext uri="{FF2B5EF4-FFF2-40B4-BE49-F238E27FC236}">
-                <a16:creationId xmlns:a16="http://schemas.microsoft.com/office/drawing/2014/main" xmlns="" id="{9BB9DE6B-B594-42E2-AE30-81693CBFFB5D}"/>
+                <a16:creationId xmlns="" xmlns:a16="http://schemas.microsoft.com/office/drawing/2014/main" id="{9BB9DE6B-B594-42E2-AE30-81693CBFFB5D}"/>
               </a:ext>
             </a:extLst>
           </p:cNvPr>
@@ -1752,7 +1752,7 @@
           <p:cNvPr id="4" name="Date Placeholder 3">
             <a:extLst>
               <a:ext uri="{FF2B5EF4-FFF2-40B4-BE49-F238E27FC236}">
-                <a16:creationId xmlns:a16="http://schemas.microsoft.com/office/drawing/2014/main" xmlns="" id="{DD988C1A-6AD0-4567-82A4-4900F87F74C1}"/>
+                <a16:creationId xmlns="" xmlns:a16="http://schemas.microsoft.com/office/drawing/2014/main" id="{DD988C1A-6AD0-4567-82A4-4900F87F74C1}"/>
               </a:ext>
             </a:extLst>
           </p:cNvPr>
@@ -1781,7 +1781,7 @@
           <p:cNvPr id="5" name="Footer Placeholder 4">
             <a:extLst>
               <a:ext uri="{FF2B5EF4-FFF2-40B4-BE49-F238E27FC236}">
-                <a16:creationId xmlns:a16="http://schemas.microsoft.com/office/drawing/2014/main" xmlns="" id="{2B5337A4-4F51-4DF4-AD0F-71F5A11AE5B3}"/>
+                <a16:creationId xmlns="" xmlns:a16="http://schemas.microsoft.com/office/drawing/2014/main" id="{2B5337A4-4F51-4DF4-AD0F-71F5A11AE5B3}"/>
               </a:ext>
             </a:extLst>
           </p:cNvPr>
@@ -1806,7 +1806,7 @@
           <p:cNvPr id="6" name="Slide Number Placeholder 5">
             <a:extLst>
               <a:ext uri="{FF2B5EF4-FFF2-40B4-BE49-F238E27FC236}">
-                <a16:creationId xmlns:a16="http://schemas.microsoft.com/office/drawing/2014/main" xmlns="" id="{23DFB646-4790-41FE-8982-E6D240B24875}"/>
+                <a16:creationId xmlns="" xmlns:a16="http://schemas.microsoft.com/office/drawing/2014/main" id="{23DFB646-4790-41FE-8982-E6D240B24875}"/>
               </a:ext>
             </a:extLst>
           </p:cNvPr>
@@ -1865,7 +1865,7 @@
           <p:cNvPr id="2" name="Title 1">
             <a:extLst>
               <a:ext uri="{FF2B5EF4-FFF2-40B4-BE49-F238E27FC236}">
-                <a16:creationId xmlns:a16="http://schemas.microsoft.com/office/drawing/2014/main" xmlns="" id="{DF6DFC26-8597-4C51-A46D-AF7DEB51A19B}"/>
+                <a16:creationId xmlns="" xmlns:a16="http://schemas.microsoft.com/office/drawing/2014/main" id="{DF6DFC26-8597-4C51-A46D-AF7DEB51A19B}"/>
               </a:ext>
             </a:extLst>
           </p:cNvPr>
@@ -1893,7 +1893,7 @@
           <p:cNvPr id="3" name="Content Placeholder 2">
             <a:extLst>
               <a:ext uri="{FF2B5EF4-FFF2-40B4-BE49-F238E27FC236}">
-                <a16:creationId xmlns:a16="http://schemas.microsoft.com/office/drawing/2014/main" xmlns="" id="{37CDE896-C6A8-4479-B467-9A0EF68EF31A}"/>
+                <a16:creationId xmlns="" xmlns:a16="http://schemas.microsoft.com/office/drawing/2014/main" id="{37CDE896-C6A8-4479-B467-9A0EF68EF31A}"/>
               </a:ext>
             </a:extLst>
           </p:cNvPr>
@@ -1955,7 +1955,7 @@
           <p:cNvPr id="4" name="Content Placeholder 3">
             <a:extLst>
               <a:ext uri="{FF2B5EF4-FFF2-40B4-BE49-F238E27FC236}">
-                <a16:creationId xmlns:a16="http://schemas.microsoft.com/office/drawing/2014/main" xmlns="" id="{0E314CA3-D4D8-4BD4-9CE5-BA07A11FEA07}"/>
+                <a16:creationId xmlns="" xmlns:a16="http://schemas.microsoft.com/office/drawing/2014/main" id="{0E314CA3-D4D8-4BD4-9CE5-BA07A11FEA07}"/>
               </a:ext>
             </a:extLst>
           </p:cNvPr>
@@ -2017,7 +2017,7 @@
           <p:cNvPr id="5" name="Date Placeholder 4">
             <a:extLst>
               <a:ext uri="{FF2B5EF4-FFF2-40B4-BE49-F238E27FC236}">
-                <a16:creationId xmlns:a16="http://schemas.microsoft.com/office/drawing/2014/main" xmlns="" id="{3825C7E1-B72E-47B7-B24D-609059B4DA5A}"/>
+                <a16:creationId xmlns="" xmlns:a16="http://schemas.microsoft.com/office/drawing/2014/main" id="{3825C7E1-B72E-47B7-B24D-609059B4DA5A}"/>
               </a:ext>
             </a:extLst>
           </p:cNvPr>
@@ -2046,7 +2046,7 @@
           <p:cNvPr id="6" name="Footer Placeholder 5">
             <a:extLst>
               <a:ext uri="{FF2B5EF4-FFF2-40B4-BE49-F238E27FC236}">
-                <a16:creationId xmlns:a16="http://schemas.microsoft.com/office/drawing/2014/main" xmlns="" id="{3E87C878-6957-4EDF-B126-BEB3FE72AAF5}"/>
+                <a16:creationId xmlns="" xmlns:a16="http://schemas.microsoft.com/office/drawing/2014/main" id="{3E87C878-6957-4EDF-B126-BEB3FE72AAF5}"/>
               </a:ext>
             </a:extLst>
           </p:cNvPr>
@@ -2071,7 +2071,7 @@
           <p:cNvPr id="7" name="Slide Number Placeholder 6">
             <a:extLst>
               <a:ext uri="{FF2B5EF4-FFF2-40B4-BE49-F238E27FC236}">
-                <a16:creationId xmlns:a16="http://schemas.microsoft.com/office/drawing/2014/main" xmlns="" id="{95D8BCF6-DDBE-4490-92D2-63CBDC546A9F}"/>
+                <a16:creationId xmlns="" xmlns:a16="http://schemas.microsoft.com/office/drawing/2014/main" id="{95D8BCF6-DDBE-4490-92D2-63CBDC546A9F}"/>
               </a:ext>
             </a:extLst>
           </p:cNvPr>
@@ -2130,7 +2130,7 @@
           <p:cNvPr id="2" name="Title 1">
             <a:extLst>
               <a:ext uri="{FF2B5EF4-FFF2-40B4-BE49-F238E27FC236}">
-                <a16:creationId xmlns:a16="http://schemas.microsoft.com/office/drawing/2014/main" xmlns="" id="{3033022A-6DAE-4ADD-A989-4CB40E72D65B}"/>
+                <a16:creationId xmlns="" xmlns:a16="http://schemas.microsoft.com/office/drawing/2014/main" id="{3033022A-6DAE-4ADD-A989-4CB40E72D65B}"/>
               </a:ext>
             </a:extLst>
           </p:cNvPr>
@@ -2163,7 +2163,7 @@
           <p:cNvPr id="3" name="Text Placeholder 2">
             <a:extLst>
               <a:ext uri="{FF2B5EF4-FFF2-40B4-BE49-F238E27FC236}">
-                <a16:creationId xmlns:a16="http://schemas.microsoft.com/office/drawing/2014/main" xmlns="" id="{7090BFD6-1D2B-4F3B-BD02-B2E958E41E8A}"/>
+                <a16:creationId xmlns="" xmlns:a16="http://schemas.microsoft.com/office/drawing/2014/main" id="{7090BFD6-1D2B-4F3B-BD02-B2E958E41E8A}"/>
               </a:ext>
             </a:extLst>
           </p:cNvPr>
@@ -2234,7 +2234,7 @@
           <p:cNvPr id="4" name="Content Placeholder 3">
             <a:extLst>
               <a:ext uri="{FF2B5EF4-FFF2-40B4-BE49-F238E27FC236}">
-                <a16:creationId xmlns:a16="http://schemas.microsoft.com/office/drawing/2014/main" xmlns="" id="{8EE1DCFD-A632-4D46-82CF-8027FDBB3090}"/>
+                <a16:creationId xmlns="" xmlns:a16="http://schemas.microsoft.com/office/drawing/2014/main" id="{8EE1DCFD-A632-4D46-82CF-8027FDBB3090}"/>
               </a:ext>
             </a:extLst>
           </p:cNvPr>
@@ -2296,7 +2296,7 @@
           <p:cNvPr id="5" name="Text Placeholder 4">
             <a:extLst>
               <a:ext uri="{FF2B5EF4-FFF2-40B4-BE49-F238E27FC236}">
-                <a16:creationId xmlns:a16="http://schemas.microsoft.com/office/drawing/2014/main" xmlns="" id="{33CCC86D-ADE8-4EB1-A070-AFF7D6FAFDBF}"/>
+                <a16:creationId xmlns="" xmlns:a16="http://schemas.microsoft.com/office/drawing/2014/main" id="{33CCC86D-ADE8-4EB1-A070-AFF7D6FAFDBF}"/>
               </a:ext>
             </a:extLst>
           </p:cNvPr>
@@ -2367,7 +2367,7 @@
           <p:cNvPr id="6" name="Content Placeholder 5">
             <a:extLst>
               <a:ext uri="{FF2B5EF4-FFF2-40B4-BE49-F238E27FC236}">
-                <a16:creationId xmlns:a16="http://schemas.microsoft.com/office/drawing/2014/main" xmlns="" id="{25BD03A3-BBA4-492D-A3D6-9F610EAD7348}"/>
+                <a16:creationId xmlns="" xmlns:a16="http://schemas.microsoft.com/office/drawing/2014/main" id="{25BD03A3-BBA4-492D-A3D6-9F610EAD7348}"/>
               </a:ext>
             </a:extLst>
           </p:cNvPr>
@@ -2429,7 +2429,7 @@
           <p:cNvPr id="7" name="Date Placeholder 6">
             <a:extLst>
               <a:ext uri="{FF2B5EF4-FFF2-40B4-BE49-F238E27FC236}">
-                <a16:creationId xmlns:a16="http://schemas.microsoft.com/office/drawing/2014/main" xmlns="" id="{264C47B5-8D83-49A3-A157-B336F5830E5F}"/>
+                <a16:creationId xmlns="" xmlns:a16="http://schemas.microsoft.com/office/drawing/2014/main" id="{264C47B5-8D83-49A3-A157-B336F5830E5F}"/>
               </a:ext>
             </a:extLst>
           </p:cNvPr>
@@ -2458,7 +2458,7 @@
           <p:cNvPr id="8" name="Footer Placeholder 7">
             <a:extLst>
               <a:ext uri="{FF2B5EF4-FFF2-40B4-BE49-F238E27FC236}">
-                <a16:creationId xmlns:a16="http://schemas.microsoft.com/office/drawing/2014/main" xmlns="" id="{D5FFE58A-7B02-4CDB-B365-7B4F94813F47}"/>
+                <a16:creationId xmlns="" xmlns:a16="http://schemas.microsoft.com/office/drawing/2014/main" id="{D5FFE58A-7B02-4CDB-B365-7B4F94813F47}"/>
               </a:ext>
             </a:extLst>
           </p:cNvPr>
@@ -2483,7 +2483,7 @@
           <p:cNvPr id="9" name="Slide Number Placeholder 8">
             <a:extLst>
               <a:ext uri="{FF2B5EF4-FFF2-40B4-BE49-F238E27FC236}">
-                <a16:creationId xmlns:a16="http://schemas.microsoft.com/office/drawing/2014/main" xmlns="" id="{B8BE2945-1ACD-4EA5-BDB1-B692C475DAFD}"/>
+                <a16:creationId xmlns="" xmlns:a16="http://schemas.microsoft.com/office/drawing/2014/main" id="{B8BE2945-1ACD-4EA5-BDB1-B692C475DAFD}"/>
               </a:ext>
             </a:extLst>
           </p:cNvPr>
@@ -2542,7 +2542,7 @@
           <p:cNvPr id="2" name="Title 1">
             <a:extLst>
               <a:ext uri="{FF2B5EF4-FFF2-40B4-BE49-F238E27FC236}">
-                <a16:creationId xmlns:a16="http://schemas.microsoft.com/office/drawing/2014/main" xmlns="" id="{2C484472-5283-4757-A32A-8097260A3988}"/>
+                <a16:creationId xmlns="" xmlns:a16="http://schemas.microsoft.com/office/drawing/2014/main" id="{2C484472-5283-4757-A32A-8097260A3988}"/>
               </a:ext>
             </a:extLst>
           </p:cNvPr>
@@ -2570,7 +2570,7 @@
           <p:cNvPr id="3" name="Date Placeholder 2">
             <a:extLst>
               <a:ext uri="{FF2B5EF4-FFF2-40B4-BE49-F238E27FC236}">
-                <a16:creationId xmlns:a16="http://schemas.microsoft.com/office/drawing/2014/main" xmlns="" id="{94CB462C-3820-4073-99E3-A207C18FE9D7}"/>
+                <a16:creationId xmlns="" xmlns:a16="http://schemas.microsoft.com/office/drawing/2014/main" id="{94CB462C-3820-4073-99E3-A207C18FE9D7}"/>
               </a:ext>
             </a:extLst>
           </p:cNvPr>
@@ -2599,7 +2599,7 @@
           <p:cNvPr id="4" name="Footer Placeholder 3">
             <a:extLst>
               <a:ext uri="{FF2B5EF4-FFF2-40B4-BE49-F238E27FC236}">
-                <a16:creationId xmlns:a16="http://schemas.microsoft.com/office/drawing/2014/main" xmlns="" id="{1A25B9C8-21EE-4307-A932-02079C96F9FE}"/>
+                <a16:creationId xmlns="" xmlns:a16="http://schemas.microsoft.com/office/drawing/2014/main" id="{1A25B9C8-21EE-4307-A932-02079C96F9FE}"/>
               </a:ext>
             </a:extLst>
           </p:cNvPr>
@@ -2624,7 +2624,7 @@
           <p:cNvPr id="5" name="Slide Number Placeholder 4">
             <a:extLst>
               <a:ext uri="{FF2B5EF4-FFF2-40B4-BE49-F238E27FC236}">
-                <a16:creationId xmlns:a16="http://schemas.microsoft.com/office/drawing/2014/main" xmlns="" id="{C826FA60-9BF0-440B-8344-4D259393FE7F}"/>
+                <a16:creationId xmlns="" xmlns:a16="http://schemas.microsoft.com/office/drawing/2014/main" id="{C826FA60-9BF0-440B-8344-4D259393FE7F}"/>
               </a:ext>
             </a:extLst>
           </p:cNvPr>
@@ -2683,7 +2683,7 @@
           <p:cNvPr id="2" name="Date Placeholder 1">
             <a:extLst>
               <a:ext uri="{FF2B5EF4-FFF2-40B4-BE49-F238E27FC236}">
-                <a16:creationId xmlns:a16="http://schemas.microsoft.com/office/drawing/2014/main" xmlns="" id="{F7B9CD3C-573E-4184-BAAC-5D6B25B06EE2}"/>
+                <a16:creationId xmlns="" xmlns:a16="http://schemas.microsoft.com/office/drawing/2014/main" id="{F7B9CD3C-573E-4184-BAAC-5D6B25B06EE2}"/>
               </a:ext>
             </a:extLst>
           </p:cNvPr>
@@ -2712,7 +2712,7 @@
           <p:cNvPr id="3" name="Footer Placeholder 2">
             <a:extLst>
               <a:ext uri="{FF2B5EF4-FFF2-40B4-BE49-F238E27FC236}">
-                <a16:creationId xmlns:a16="http://schemas.microsoft.com/office/drawing/2014/main" xmlns="" id="{7703D78E-02FF-4530-8C2C-EB3FB9553415}"/>
+                <a16:creationId xmlns="" xmlns:a16="http://schemas.microsoft.com/office/drawing/2014/main" id="{7703D78E-02FF-4530-8C2C-EB3FB9553415}"/>
               </a:ext>
             </a:extLst>
           </p:cNvPr>
@@ -2737,7 +2737,7 @@
           <p:cNvPr id="4" name="Slide Number Placeholder 3">
             <a:extLst>
               <a:ext uri="{FF2B5EF4-FFF2-40B4-BE49-F238E27FC236}">
-                <a16:creationId xmlns:a16="http://schemas.microsoft.com/office/drawing/2014/main" xmlns="" id="{09E00EF9-6964-472E-9451-D32A18FA5631}"/>
+                <a16:creationId xmlns="" xmlns:a16="http://schemas.microsoft.com/office/drawing/2014/main" id="{09E00EF9-6964-472E-9451-D32A18FA5631}"/>
               </a:ext>
             </a:extLst>
           </p:cNvPr>
@@ -2796,7 +2796,7 @@
           <p:cNvPr id="2" name="Title 1">
             <a:extLst>
               <a:ext uri="{FF2B5EF4-FFF2-40B4-BE49-F238E27FC236}">
-                <a16:creationId xmlns:a16="http://schemas.microsoft.com/office/drawing/2014/main" xmlns="" id="{19CD81D7-629D-421E-9A84-E68E936F0B75}"/>
+                <a16:creationId xmlns="" xmlns:a16="http://schemas.microsoft.com/office/drawing/2014/main" id="{19CD81D7-629D-421E-9A84-E68E936F0B75}"/>
               </a:ext>
             </a:extLst>
           </p:cNvPr>
@@ -2833,7 +2833,7 @@
           <p:cNvPr id="3" name="Content Placeholder 2">
             <a:extLst>
               <a:ext uri="{FF2B5EF4-FFF2-40B4-BE49-F238E27FC236}">
-                <a16:creationId xmlns:a16="http://schemas.microsoft.com/office/drawing/2014/main" xmlns="" id="{045367A1-2AB2-4CAE-9CEB-806A9D9FBA53}"/>
+                <a16:creationId xmlns="" xmlns:a16="http://schemas.microsoft.com/office/drawing/2014/main" id="{045367A1-2AB2-4CAE-9CEB-806A9D9FBA53}"/>
               </a:ext>
             </a:extLst>
           </p:cNvPr>
@@ -2923,7 +2923,7 @@
           <p:cNvPr id="4" name="Text Placeholder 3">
             <a:extLst>
               <a:ext uri="{FF2B5EF4-FFF2-40B4-BE49-F238E27FC236}">
-                <a16:creationId xmlns:a16="http://schemas.microsoft.com/office/drawing/2014/main" xmlns="" id="{A0F97228-B34E-4449-8A2D-CF7AC215E5DE}"/>
+                <a16:creationId xmlns="" xmlns:a16="http://schemas.microsoft.com/office/drawing/2014/main" id="{A0F97228-B34E-4449-8A2D-CF7AC215E5DE}"/>
               </a:ext>
             </a:extLst>
           </p:cNvPr>
@@ -2994,7 +2994,7 @@
           <p:cNvPr id="5" name="Date Placeholder 4">
             <a:extLst>
               <a:ext uri="{FF2B5EF4-FFF2-40B4-BE49-F238E27FC236}">
-                <a16:creationId xmlns:a16="http://schemas.microsoft.com/office/drawing/2014/main" xmlns="" id="{884639D6-D865-44E6-B8D0-6FF5CE28CF00}"/>
+                <a16:creationId xmlns="" xmlns:a16="http://schemas.microsoft.com/office/drawing/2014/main" id="{884639D6-D865-44E6-B8D0-6FF5CE28CF00}"/>
               </a:ext>
             </a:extLst>
           </p:cNvPr>
@@ -3023,7 +3023,7 @@
           <p:cNvPr id="6" name="Footer Placeholder 5">
             <a:extLst>
               <a:ext uri="{FF2B5EF4-FFF2-40B4-BE49-F238E27FC236}">
-                <a16:creationId xmlns:a16="http://schemas.microsoft.com/office/drawing/2014/main" xmlns="" id="{3F9DDC88-A6B0-481F-97D0-2033BF020722}"/>
+                <a16:creationId xmlns="" xmlns:a16="http://schemas.microsoft.com/office/drawing/2014/main" id="{3F9DDC88-A6B0-481F-97D0-2033BF020722}"/>
               </a:ext>
             </a:extLst>
           </p:cNvPr>
@@ -3048,7 +3048,7 @@
           <p:cNvPr id="7" name="Slide Number Placeholder 6">
             <a:extLst>
               <a:ext uri="{FF2B5EF4-FFF2-40B4-BE49-F238E27FC236}">
-                <a16:creationId xmlns:a16="http://schemas.microsoft.com/office/drawing/2014/main" xmlns="" id="{6FBDCFA2-4984-459E-9507-050EA6575098}"/>
+                <a16:creationId xmlns="" xmlns:a16="http://schemas.microsoft.com/office/drawing/2014/main" id="{6FBDCFA2-4984-459E-9507-050EA6575098}"/>
               </a:ext>
             </a:extLst>
           </p:cNvPr>
@@ -3107,7 +3107,7 @@
           <p:cNvPr id="2" name="Title 1">
             <a:extLst>
               <a:ext uri="{FF2B5EF4-FFF2-40B4-BE49-F238E27FC236}">
-                <a16:creationId xmlns:a16="http://schemas.microsoft.com/office/drawing/2014/main" xmlns="" id="{87FA6640-DB08-415B-9E88-CA7A34042BD7}"/>
+                <a16:creationId xmlns="" xmlns:a16="http://schemas.microsoft.com/office/drawing/2014/main" id="{87FA6640-DB08-415B-9E88-CA7A34042BD7}"/>
               </a:ext>
             </a:extLst>
           </p:cNvPr>
@@ -3144,7 +3144,7 @@
           <p:cNvPr id="3" name="Picture Placeholder 2">
             <a:extLst>
               <a:ext uri="{FF2B5EF4-FFF2-40B4-BE49-F238E27FC236}">
-                <a16:creationId xmlns:a16="http://schemas.microsoft.com/office/drawing/2014/main" xmlns="" id="{F9343371-609E-4D5D-B910-DF5764C99F3D}"/>
+                <a16:creationId xmlns="" xmlns:a16="http://schemas.microsoft.com/office/drawing/2014/main" id="{F9343371-609E-4D5D-B910-DF5764C99F3D}"/>
               </a:ext>
             </a:extLst>
           </p:cNvPr>
@@ -3211,7 +3211,7 @@
           <p:cNvPr id="4" name="Text Placeholder 3">
             <a:extLst>
               <a:ext uri="{FF2B5EF4-FFF2-40B4-BE49-F238E27FC236}">
-                <a16:creationId xmlns:a16="http://schemas.microsoft.com/office/drawing/2014/main" xmlns="" id="{0A077FDD-B719-4E73-8598-F8ADBA9F1CDC}"/>
+                <a16:creationId xmlns="" xmlns:a16="http://schemas.microsoft.com/office/drawing/2014/main" id="{0A077FDD-B719-4E73-8598-F8ADBA9F1CDC}"/>
               </a:ext>
             </a:extLst>
           </p:cNvPr>
@@ -3282,7 +3282,7 @@
           <p:cNvPr id="5" name="Date Placeholder 4">
             <a:extLst>
               <a:ext uri="{FF2B5EF4-FFF2-40B4-BE49-F238E27FC236}">
-                <a16:creationId xmlns:a16="http://schemas.microsoft.com/office/drawing/2014/main" xmlns="" id="{D38F11EB-C52A-43E3-A749-48A52ECB57E7}"/>
+                <a16:creationId xmlns="" xmlns:a16="http://schemas.microsoft.com/office/drawing/2014/main" id="{D38F11EB-C52A-43E3-A749-48A52ECB57E7}"/>
               </a:ext>
             </a:extLst>
           </p:cNvPr>
@@ -3311,7 +3311,7 @@
           <p:cNvPr id="6" name="Footer Placeholder 5">
             <a:extLst>
               <a:ext uri="{FF2B5EF4-FFF2-40B4-BE49-F238E27FC236}">
-                <a16:creationId xmlns:a16="http://schemas.microsoft.com/office/drawing/2014/main" xmlns="" id="{95E53AFD-6BF0-4AD4-BAAB-1601B9CA07BB}"/>
+                <a16:creationId xmlns="" xmlns:a16="http://schemas.microsoft.com/office/drawing/2014/main" id="{95E53AFD-6BF0-4AD4-BAAB-1601B9CA07BB}"/>
               </a:ext>
             </a:extLst>
           </p:cNvPr>
@@ -3336,7 +3336,7 @@
           <p:cNvPr id="7" name="Slide Number Placeholder 6">
             <a:extLst>
               <a:ext uri="{FF2B5EF4-FFF2-40B4-BE49-F238E27FC236}">
-                <a16:creationId xmlns:a16="http://schemas.microsoft.com/office/drawing/2014/main" xmlns="" id="{C6B106A4-B317-4650-936D-746E66BF47B7}"/>
+                <a16:creationId xmlns="" xmlns:a16="http://schemas.microsoft.com/office/drawing/2014/main" id="{C6B106A4-B317-4650-936D-746E66BF47B7}"/>
               </a:ext>
             </a:extLst>
           </p:cNvPr>
@@ -3400,7 +3400,7 @@
           <p:cNvPr id="2" name="Title Placeholder 1">
             <a:extLst>
               <a:ext uri="{FF2B5EF4-FFF2-40B4-BE49-F238E27FC236}">
-                <a16:creationId xmlns:a16="http://schemas.microsoft.com/office/drawing/2014/main" xmlns="" id="{5B37EC8F-DDFC-4E6B-9427-5958FEB819A3}"/>
+                <a16:creationId xmlns="" xmlns:a16="http://schemas.microsoft.com/office/drawing/2014/main" id="{5B37EC8F-DDFC-4E6B-9427-5958FEB819A3}"/>
               </a:ext>
             </a:extLst>
           </p:cNvPr>
@@ -3438,7 +3438,7 @@
           <p:cNvPr id="3" name="Text Placeholder 2">
             <a:extLst>
               <a:ext uri="{FF2B5EF4-FFF2-40B4-BE49-F238E27FC236}">
-                <a16:creationId xmlns:a16="http://schemas.microsoft.com/office/drawing/2014/main" xmlns="" id="{A4507C0A-20B0-4700-A2B7-4A3FEAD839AC}"/>
+                <a16:creationId xmlns="" xmlns:a16="http://schemas.microsoft.com/office/drawing/2014/main" id="{A4507C0A-20B0-4700-A2B7-4A3FEAD839AC}"/>
               </a:ext>
             </a:extLst>
           </p:cNvPr>
@@ -3505,7 +3505,7 @@
           <p:cNvPr id="4" name="Date Placeholder 3">
             <a:extLst>
               <a:ext uri="{FF2B5EF4-FFF2-40B4-BE49-F238E27FC236}">
-                <a16:creationId xmlns:a16="http://schemas.microsoft.com/office/drawing/2014/main" xmlns="" id="{80CC83EA-98AA-4507-B323-A3EE4DA5DEC0}"/>
+                <a16:creationId xmlns="" xmlns:a16="http://schemas.microsoft.com/office/drawing/2014/main" id="{80CC83EA-98AA-4507-B323-A3EE4DA5DEC0}"/>
               </a:ext>
             </a:extLst>
           </p:cNvPr>
@@ -3552,7 +3552,7 @@
           <p:cNvPr id="5" name="Footer Placeholder 4">
             <a:extLst>
               <a:ext uri="{FF2B5EF4-FFF2-40B4-BE49-F238E27FC236}">
-                <a16:creationId xmlns:a16="http://schemas.microsoft.com/office/drawing/2014/main" xmlns="" id="{4327E618-AB88-4343-A7A0-DFA5373F8042}"/>
+                <a16:creationId xmlns="" xmlns:a16="http://schemas.microsoft.com/office/drawing/2014/main" id="{4327E618-AB88-4343-A7A0-DFA5373F8042}"/>
               </a:ext>
             </a:extLst>
           </p:cNvPr>
@@ -3595,7 +3595,7 @@
           <p:cNvPr id="6" name="Slide Number Placeholder 5">
             <a:extLst>
               <a:ext uri="{FF2B5EF4-FFF2-40B4-BE49-F238E27FC236}">
-                <a16:creationId xmlns:a16="http://schemas.microsoft.com/office/drawing/2014/main" xmlns="" id="{C0BB8A04-3323-466A-B057-0A128B13D72E}"/>
+                <a16:creationId xmlns="" xmlns:a16="http://schemas.microsoft.com/office/drawing/2014/main" id="{C0BB8A04-3323-466A-B057-0A128B13D72E}"/>
               </a:ext>
             </a:extLst>
           </p:cNvPr>
@@ -4306,7 +4306,7 @@
           <p:cNvPr id="5" name="Title 4">
             <a:extLst>
               <a:ext uri="{FF2B5EF4-FFF2-40B4-BE49-F238E27FC236}">
-                <a16:creationId xmlns:a16="http://schemas.microsoft.com/office/drawing/2014/main" xmlns="" id="{8C2109F9-4249-4B8A-9EAD-6207C1C528BE}"/>
+                <a16:creationId xmlns="" xmlns:a16="http://schemas.microsoft.com/office/drawing/2014/main" id="{8C2109F9-4249-4B8A-9EAD-6207C1C528BE}"/>
               </a:ext>
             </a:extLst>
           </p:cNvPr>
@@ -5046,7 +5046,7 @@
           <p:cNvPr id="5" name="Title 4">
             <a:extLst>
               <a:ext uri="{FF2B5EF4-FFF2-40B4-BE49-F238E27FC236}">
-                <a16:creationId xmlns:a16="http://schemas.microsoft.com/office/drawing/2014/main" xmlns="" id="{8C2109F9-4249-4B8A-9EAD-6207C1C528BE}"/>
+                <a16:creationId xmlns="" xmlns:a16="http://schemas.microsoft.com/office/drawing/2014/main" id="{8C2109F9-4249-4B8A-9EAD-6207C1C528BE}"/>
               </a:ext>
             </a:extLst>
           </p:cNvPr>
@@ -5249,6 +5249,90 @@
           </a:xfrm>
         </p:spPr>
       </p:pic>
+      <p:sp>
+        <p:nvSpPr>
+          <p:cNvPr id="15" name="TextBox 14"/>
+          <p:cNvSpPr txBox="1"/>
+          <p:nvPr/>
+        </p:nvSpPr>
+        <p:spPr>
+          <a:xfrm>
+            <a:off x="1212574" y="6261652"/>
+            <a:ext cx="4610621" cy="369332"/>
+          </a:xfrm>
+          <a:prstGeom prst="rect">
+            <a:avLst/>
+          </a:prstGeom>
+          <a:noFill/>
+        </p:spPr>
+        <p:txBody>
+          <a:bodyPr wrap="none" rtlCol="0">
+            <a:spAutoFit/>
+          </a:bodyPr>
+          <a:lstStyle/>
+          <a:p>
+            <a:r>
+              <a:rPr lang="en-US" dirty="0" err="1" smtClean="0"/>
+              <a:t>adp_mouse_trace</a:t>
+            </a:r>
+            <a:r>
+              <a:rPr lang="en-US" dirty="0" smtClean="0"/>
+              <a:t> </a:t>
+            </a:r>
+            <a:r>
+              <a:rPr lang="en-US" dirty="0" smtClean="0"/>
+              <a:t>=  </a:t>
+            </a:r>
+            <a:r>
+              <a:rPr lang="en-US" dirty="0"/>
+              <a:t>-0.1327   -0.0643   -0.1798</a:t>
+            </a:r>
+            <a:endParaRPr lang="en-US" dirty="0"/>
+          </a:p>
+        </p:txBody>
+      </p:sp>
+      <p:sp>
+        <p:nvSpPr>
+          <p:cNvPr id="16" name="TextBox 15"/>
+          <p:cNvSpPr txBox="1"/>
+          <p:nvPr/>
+        </p:nvSpPr>
+        <p:spPr>
+          <a:xfrm>
+            <a:off x="6742043" y="6261652"/>
+            <a:ext cx="4610621" cy="369332"/>
+          </a:xfrm>
+          <a:prstGeom prst="rect">
+            <a:avLst/>
+          </a:prstGeom>
+          <a:noFill/>
+        </p:spPr>
+        <p:txBody>
+          <a:bodyPr wrap="none" rtlCol="0">
+            <a:spAutoFit/>
+          </a:bodyPr>
+          <a:lstStyle/>
+          <a:p>
+            <a:r>
+              <a:rPr lang="en-US" dirty="0" err="1" smtClean="0"/>
+              <a:t>adp_mouse_trace</a:t>
+            </a:r>
+            <a:r>
+              <a:rPr lang="en-US" dirty="0" smtClean="0"/>
+              <a:t> </a:t>
+            </a:r>
+            <a:r>
+              <a:rPr lang="en-US" dirty="0"/>
+              <a:t>=  </a:t>
+            </a:r>
+            <a:r>
+              <a:rPr lang="en-US" dirty="0"/>
+              <a:t>-0.3552   -0.4525   -0.3596</a:t>
+            </a:r>
+            <a:endParaRPr lang="en-US" dirty="0"/>
+          </a:p>
+        </p:txBody>
+      </p:sp>
     </p:spTree>
     <p:extLst>
       <p:ext uri="{BB962C8B-B14F-4D97-AF65-F5344CB8AC3E}">
